--- a/Documents/Presentation Game.pptx
+++ b/Documents/Presentation Game.pptx
@@ -1210,7 +1210,7 @@
                 <a14:useLocalDpi xmlns:a14="http://schemas.microsoft.com/office/drawing/2010/main" val="0"/>
               </a:ext>
               <a:ext uri="{96DAC541-7B7A-43D3-8B79-37D633B846F1}">
-                <asvg:svgBlip xmlns:asvg="http://schemas.microsoft.com/office/drawing/2016/SVG/main" xmlns="" r:embed="rId2"/>
+                <asvg:svgBlip xmlns="" xmlns:asvg="http://schemas.microsoft.com/office/drawing/2016/SVG/main" r:embed="rId2"/>
               </a:ext>
             </a:extLst>
           </a:blip>
@@ -1277,7 +1277,7 @@
                 <a14:useLocalDpi xmlns:a14="http://schemas.microsoft.com/office/drawing/2010/main" val="0"/>
               </a:ext>
               <a:ext uri="{96DAC541-7B7A-43D3-8B79-37D633B846F1}">
-                <asvg:svgBlip xmlns:asvg="http://schemas.microsoft.com/office/drawing/2016/SVG/main" xmlns="" r:embed="rId4"/>
+                <asvg:svgBlip xmlns="" xmlns:asvg="http://schemas.microsoft.com/office/drawing/2016/SVG/main" r:embed="rId4"/>
               </a:ext>
             </a:extLst>
           </a:blip>
@@ -1344,7 +1344,7 @@
                 <a14:useLocalDpi xmlns:a14="http://schemas.microsoft.com/office/drawing/2010/main" val="0"/>
               </a:ext>
               <a:ext uri="{96DAC541-7B7A-43D3-8B79-37D633B846F1}">
-                <asvg:svgBlip xmlns:asvg="http://schemas.microsoft.com/office/drawing/2016/SVG/main" xmlns="" r:embed="rId6"/>
+                <asvg:svgBlip xmlns="" xmlns:asvg="http://schemas.microsoft.com/office/drawing/2016/SVG/main" r:embed="rId6"/>
               </a:ext>
             </a:extLst>
           </a:blip>
@@ -1411,7 +1411,7 @@
                 <a14:useLocalDpi xmlns:a14="http://schemas.microsoft.com/office/drawing/2010/main" val="0"/>
               </a:ext>
               <a:ext uri="{96DAC541-7B7A-43D3-8B79-37D633B846F1}">
-                <asvg:svgBlip xmlns:asvg="http://schemas.microsoft.com/office/drawing/2016/SVG/main" xmlns="" r:embed="rId8"/>
+                <asvg:svgBlip xmlns="" xmlns:asvg="http://schemas.microsoft.com/office/drawing/2016/SVG/main" r:embed="rId8"/>
               </a:ext>
             </a:extLst>
           </a:blip>
@@ -1478,7 +1478,7 @@
                 <a14:useLocalDpi xmlns:a14="http://schemas.microsoft.com/office/drawing/2010/main" val="0"/>
               </a:ext>
               <a:ext uri="{96DAC541-7B7A-43D3-8B79-37D633B846F1}">
-                <asvg:svgBlip xmlns:asvg="http://schemas.microsoft.com/office/drawing/2016/SVG/main" xmlns="" r:embed="rId10"/>
+                <asvg:svgBlip xmlns="" xmlns:asvg="http://schemas.microsoft.com/office/drawing/2016/SVG/main" r:embed="rId10"/>
               </a:ext>
             </a:extLst>
           </a:blip>
@@ -1545,7 +1545,7 @@
                 <a14:useLocalDpi xmlns:a14="http://schemas.microsoft.com/office/drawing/2010/main" val="0"/>
               </a:ext>
               <a:ext uri="{96DAC541-7B7A-43D3-8B79-37D633B846F1}">
-                <asvg:svgBlip xmlns:asvg="http://schemas.microsoft.com/office/drawing/2016/SVG/main" xmlns="" r:embed="rId12"/>
+                <asvg:svgBlip xmlns="" xmlns:asvg="http://schemas.microsoft.com/office/drawing/2016/SVG/main" r:embed="rId12"/>
               </a:ext>
             </a:extLst>
           </a:blip>
@@ -1612,7 +1612,7 @@
                 <a14:useLocalDpi xmlns:a14="http://schemas.microsoft.com/office/drawing/2010/main" val="0"/>
               </a:ext>
               <a:ext uri="{96DAC541-7B7A-43D3-8B79-37D633B846F1}">
-                <asvg:svgBlip xmlns:asvg="http://schemas.microsoft.com/office/drawing/2016/SVG/main" xmlns="" r:embed="rId14"/>
+                <asvg:svgBlip xmlns="" xmlns:asvg="http://schemas.microsoft.com/office/drawing/2016/SVG/main" r:embed="rId14"/>
               </a:ext>
             </a:extLst>
           </a:blip>
@@ -1796,7 +1796,7 @@
                 <a14:useLocalDpi xmlns:a14="http://schemas.microsoft.com/office/drawing/2010/main" val="0"/>
               </a:ext>
               <a:ext uri="{96DAC541-7B7A-43D3-8B79-37D633B846F1}">
-                <asvg:svgBlip xmlns:asvg="http://schemas.microsoft.com/office/drawing/2016/SVG/main" xmlns="" r:embed="rId2"/>
+                <asvg:svgBlip xmlns="" xmlns:asvg="http://schemas.microsoft.com/office/drawing/2016/SVG/main" r:embed="rId2"/>
               </a:ext>
             </a:extLst>
           </a:blip>
@@ -1947,7 +1947,7 @@
                 <a14:useLocalDpi xmlns:a14="http://schemas.microsoft.com/office/drawing/2010/main" val="0"/>
               </a:ext>
               <a:ext uri="{96DAC541-7B7A-43D3-8B79-37D633B846F1}">
-                <asvg:svgBlip xmlns:asvg="http://schemas.microsoft.com/office/drawing/2016/SVG/main" xmlns="" r:embed="rId4"/>
+                <asvg:svgBlip xmlns="" xmlns:asvg="http://schemas.microsoft.com/office/drawing/2016/SVG/main" r:embed="rId4"/>
               </a:ext>
             </a:extLst>
           </a:blip>
@@ -2098,7 +2098,7 @@
                 <a14:useLocalDpi xmlns:a14="http://schemas.microsoft.com/office/drawing/2010/main" val="0"/>
               </a:ext>
               <a:ext uri="{96DAC541-7B7A-43D3-8B79-37D633B846F1}">
-                <asvg:svgBlip xmlns:asvg="http://schemas.microsoft.com/office/drawing/2016/SVG/main" xmlns="" r:embed="rId6"/>
+                <asvg:svgBlip xmlns="" xmlns:asvg="http://schemas.microsoft.com/office/drawing/2016/SVG/main" r:embed="rId6"/>
               </a:ext>
             </a:extLst>
           </a:blip>
@@ -2249,7 +2249,7 @@
                 <a14:useLocalDpi xmlns:a14="http://schemas.microsoft.com/office/drawing/2010/main" val="0"/>
               </a:ext>
               <a:ext uri="{96DAC541-7B7A-43D3-8B79-37D633B846F1}">
-                <asvg:svgBlip xmlns:asvg="http://schemas.microsoft.com/office/drawing/2016/SVG/main" xmlns="" r:embed="rId8"/>
+                <asvg:svgBlip xmlns="" xmlns:asvg="http://schemas.microsoft.com/office/drawing/2016/SVG/main" r:embed="rId8"/>
               </a:ext>
             </a:extLst>
           </a:blip>
@@ -2400,7 +2400,7 @@
                 <a14:useLocalDpi xmlns:a14="http://schemas.microsoft.com/office/drawing/2010/main" val="0"/>
               </a:ext>
               <a:ext uri="{96DAC541-7B7A-43D3-8B79-37D633B846F1}">
-                <asvg:svgBlip xmlns:asvg="http://schemas.microsoft.com/office/drawing/2016/SVG/main" xmlns="" r:embed="rId10"/>
+                <asvg:svgBlip xmlns="" xmlns:asvg="http://schemas.microsoft.com/office/drawing/2016/SVG/main" r:embed="rId10"/>
               </a:ext>
             </a:extLst>
           </a:blip>
@@ -2551,7 +2551,7 @@
                 <a14:useLocalDpi xmlns:a14="http://schemas.microsoft.com/office/drawing/2010/main" val="0"/>
               </a:ext>
               <a:ext uri="{96DAC541-7B7A-43D3-8B79-37D633B846F1}">
-                <asvg:svgBlip xmlns:asvg="http://schemas.microsoft.com/office/drawing/2016/SVG/main" xmlns="" r:embed="rId12"/>
+                <asvg:svgBlip xmlns="" xmlns:asvg="http://schemas.microsoft.com/office/drawing/2016/SVG/main" r:embed="rId12"/>
               </a:ext>
             </a:extLst>
           </a:blip>
@@ -2702,7 +2702,7 @@
                 <a14:useLocalDpi xmlns:a14="http://schemas.microsoft.com/office/drawing/2010/main" val="0"/>
               </a:ext>
               <a:ext uri="{96DAC541-7B7A-43D3-8B79-37D633B846F1}">
-                <asvg:svgBlip xmlns:asvg="http://schemas.microsoft.com/office/drawing/2016/SVG/main" xmlns="" r:embed="rId14"/>
+                <asvg:svgBlip xmlns="" xmlns:asvg="http://schemas.microsoft.com/office/drawing/2016/SVG/main" r:embed="rId14"/>
               </a:ext>
             </a:extLst>
           </a:blip>
@@ -3072,7 +3072,7 @@
   </dgm:layoutNode>
   <dgm:extLst>
     <a:ext uri="{68A01E43-0DF5-4B5B-8FA6-DAF915123BFB}">
-      <dgm1612:lstStyle xmlns:dgm1612="http://schemas.microsoft.com/office/drawing/2016/12/diagram" xmlns="">
+      <dgm1612:lstStyle xmlns="" xmlns:dgm1612="http://schemas.microsoft.com/office/drawing/2016/12/diagram">
         <a:lvl1pPr>
           <a:lnSpc>
             <a:spcPct val="100000"/>
@@ -4252,7 +4252,7 @@
           <a:p>
             <a:fld id="{846CE7D5-CF57-46EF-B807-FDD0502418D4}" type="datetimeFigureOut">
               <a:rPr lang="en-US" smtClean="0"/>
-              <a:t>12/2/2019</a:t>
+              <a:t>12/5/2019</a:t>
             </a:fld>
             <a:endParaRPr lang="en-US"/>
           </a:p>
@@ -4420,7 +4420,7 @@
           <a:p>
             <a:fld id="{846CE7D5-CF57-46EF-B807-FDD0502418D4}" type="datetimeFigureOut">
               <a:rPr lang="en-US" smtClean="0"/>
-              <a:t>12/2/2019</a:t>
+              <a:t>12/5/2019</a:t>
             </a:fld>
             <a:endParaRPr lang="en-US"/>
           </a:p>
@@ -4598,7 +4598,7 @@
           <a:p>
             <a:fld id="{846CE7D5-CF57-46EF-B807-FDD0502418D4}" type="datetimeFigureOut">
               <a:rPr lang="en-US" smtClean="0"/>
-              <a:t>12/2/2019</a:t>
+              <a:t>12/5/2019</a:t>
             </a:fld>
             <a:endParaRPr lang="en-US"/>
           </a:p>
@@ -4766,7 +4766,7 @@
           <a:p>
             <a:fld id="{846CE7D5-CF57-46EF-B807-FDD0502418D4}" type="datetimeFigureOut">
               <a:rPr lang="en-US" smtClean="0"/>
-              <a:t>12/2/2019</a:t>
+              <a:t>12/5/2019</a:t>
             </a:fld>
             <a:endParaRPr lang="en-US"/>
           </a:p>
@@ -5011,7 +5011,7 @@
           <a:p>
             <a:fld id="{846CE7D5-CF57-46EF-B807-FDD0502418D4}" type="datetimeFigureOut">
               <a:rPr lang="en-US" smtClean="0"/>
-              <a:t>12/2/2019</a:t>
+              <a:t>12/5/2019</a:t>
             </a:fld>
             <a:endParaRPr lang="en-US"/>
           </a:p>
@@ -5240,7 +5240,7 @@
           <a:p>
             <a:fld id="{846CE7D5-CF57-46EF-B807-FDD0502418D4}" type="datetimeFigureOut">
               <a:rPr lang="en-US" smtClean="0"/>
-              <a:t>12/2/2019</a:t>
+              <a:t>12/5/2019</a:t>
             </a:fld>
             <a:endParaRPr lang="en-US"/>
           </a:p>
@@ -5604,7 +5604,7 @@
           <a:p>
             <a:fld id="{846CE7D5-CF57-46EF-B807-FDD0502418D4}" type="datetimeFigureOut">
               <a:rPr lang="en-US" smtClean="0"/>
-              <a:t>12/2/2019</a:t>
+              <a:t>12/5/2019</a:t>
             </a:fld>
             <a:endParaRPr lang="en-US"/>
           </a:p>
@@ -5721,7 +5721,7 @@
           <a:p>
             <a:fld id="{846CE7D5-CF57-46EF-B807-FDD0502418D4}" type="datetimeFigureOut">
               <a:rPr lang="en-US" smtClean="0"/>
-              <a:t>12/2/2019</a:t>
+              <a:t>12/5/2019</a:t>
             </a:fld>
             <a:endParaRPr lang="en-US"/>
           </a:p>
@@ -5816,7 +5816,7 @@
           <a:p>
             <a:fld id="{846CE7D5-CF57-46EF-B807-FDD0502418D4}" type="datetimeFigureOut">
               <a:rPr lang="en-US" smtClean="0"/>
-              <a:t>12/2/2019</a:t>
+              <a:t>12/5/2019</a:t>
             </a:fld>
             <a:endParaRPr lang="en-US"/>
           </a:p>
@@ -6091,7 +6091,7 @@
           <a:p>
             <a:fld id="{846CE7D5-CF57-46EF-B807-FDD0502418D4}" type="datetimeFigureOut">
               <a:rPr lang="en-US" smtClean="0"/>
-              <a:t>12/2/2019</a:t>
+              <a:t>12/5/2019</a:t>
             </a:fld>
             <a:endParaRPr lang="en-US"/>
           </a:p>
@@ -6346,7 +6346,7 @@
           <a:p>
             <a:fld id="{846CE7D5-CF57-46EF-B807-FDD0502418D4}" type="datetimeFigureOut">
               <a:rPr lang="en-US" smtClean="0"/>
-              <a:t>12/2/2019</a:t>
+              <a:t>12/5/2019</a:t>
             </a:fld>
             <a:endParaRPr lang="en-US"/>
           </a:p>
@@ -6557,7 +6557,7 @@
           <a:p>
             <a:fld id="{846CE7D5-CF57-46EF-B807-FDD0502418D4}" type="datetimeFigureOut">
               <a:rPr lang="en-US" smtClean="0"/>
-              <a:t>12/2/2019</a:t>
+              <a:t>12/5/2019</a:t>
             </a:fld>
             <a:endParaRPr lang="en-US"/>
           </a:p>
@@ -6978,7 +6978,7 @@
                 <a16:creationId xmlns:a16="http://schemas.microsoft.com/office/drawing/2014/main" id="{71B2258F-86CA-4D4D-8270-BC05FCDEBFB3}"/>
               </a:ext>
               <a:ext uri="{C183D7F6-B498-43B3-948B-1728B52AA6E4}">
-                <adec:decorative xmlns:adec="http://schemas.microsoft.com/office/drawing/2017/decorative" xmlns="" val="1"/>
+                <adec:decorative xmlns="" xmlns:adec="http://schemas.microsoft.com/office/drawing/2017/decorative" val="1"/>
               </a:ext>
             </a:extLst>
           </p:cNvPr>
@@ -7086,7 +7086,7 @@
           </a:bodyPr>
           <a:lstStyle/>
           <a:p>
-            <a:endParaRPr lang="en-US">
+            <a:endParaRPr lang="en-US" dirty="0">
               <a:solidFill>
                 <a:srgbClr val="FFFFFF"/>
               </a:solidFill>
@@ -7094,13 +7094,13 @@
           </a:p>
           <a:p>
             <a:r>
-              <a:rPr lang="en-US">
+              <a:rPr lang="en-US" dirty="0">
                 <a:ea typeface="+mj-lt"/>
                 <a:cs typeface="+mj-lt"/>
               </a:rPr>
               <a:t>Game Presentation</a:t>
             </a:r>
-            <a:endParaRPr lang="en-US"/>
+            <a:endParaRPr lang="en-US" dirty="0"/>
           </a:p>
         </p:txBody>
       </p:sp>
@@ -7201,6 +7201,25 @@
   <p:clrMapOvr>
     <a:overrideClrMapping bg1="dk1" tx1="lt1" bg2="dk2" tx2="lt2" accent1="accent1" accent2="accent2" accent3="accent3" accent4="accent4" accent5="accent5" accent6="accent6" hlink="hlink" folHlink="folHlink"/>
   </p:clrMapOvr>
+  <mc:AlternateContent xmlns:mc="http://schemas.openxmlformats.org/markup-compatibility/2006">
+    <mc:Choice xmlns:p14="http://schemas.microsoft.com/office/powerpoint/2010/main" Requires="p14">
+      <p:transition spd="slow" p14:dur="900">
+        <p14:warp dir="in"/>
+      </p:transition>
+    </mc:Choice>
+    <mc:Fallback>
+      <p:transition spd="slow">
+        <p:fade/>
+      </p:transition>
+    </mc:Fallback>
+  </mc:AlternateContent>
+  <p:timing>
+    <p:tnLst>
+      <p:par>
+        <p:cTn id="1" dur="indefinite" restart="never" nodeType="tmRoot"/>
+      </p:par>
+    </p:tnLst>
+  </p:timing>
 </p:sld>
 </file>
 
@@ -7237,7 +7256,7 @@
                 <a16:creationId xmlns:a16="http://schemas.microsoft.com/office/drawing/2014/main" id="{99899462-FC16-43B0-966B-FCA263450716}"/>
               </a:ext>
               <a:ext uri="{C183D7F6-B498-43B3-948B-1728B52AA6E4}">
-                <adec:decorative xmlns:adec="http://schemas.microsoft.com/office/drawing/2017/decorative" xmlns="" val="1"/>
+                <adec:decorative xmlns="" xmlns:adec="http://schemas.microsoft.com/office/drawing/2017/decorative" val="1"/>
               </a:ext>
             </a:extLst>
           </p:cNvPr>
@@ -7372,7 +7391,7 @@
                 <a16:creationId xmlns:a16="http://schemas.microsoft.com/office/drawing/2014/main" id="{AAFEA932-2DF1-410C-A00A-7A1E7DBF7511}"/>
               </a:ext>
               <a:ext uri="{C183D7F6-B498-43B3-948B-1728B52AA6E4}">
-                <adec:decorative xmlns:adec="http://schemas.microsoft.com/office/drawing/2017/decorative" xmlns="" val="1"/>
+                <adec:decorative xmlns="" xmlns:adec="http://schemas.microsoft.com/office/drawing/2017/decorative" val="1"/>
               </a:ext>
             </a:extLst>
           </p:cNvPr>
@@ -7477,17 +7496,147 @@
               <a:buNone/>
             </a:pPr>
             <a:r>
-              <a:rPr lang="en-US" sz="1400">
+              <a:rPr lang="en-US" sz="1600" dirty="0">
                 <a:solidFill>
                   <a:srgbClr val="FFFFFF"/>
                 </a:solidFill>
                 <a:ea typeface="+mn-lt"/>
                 <a:cs typeface="+mn-lt"/>
               </a:rPr>
-              <a:t>The setting in the game will take place in an underground dungeon under a presumably haunted castle in Scotland, where the crypt will have brown, brick walls with moss, and the platforms will be made of grey concrete.</a:t>
-            </a:r>
-            <a:r>
-              <a:rPr lang="en-CA" sz="1400">
+              <a:t>The setting in the game </a:t>
+            </a:r>
+            <a:r>
+              <a:rPr lang="en-US" sz="1600" dirty="0" smtClean="0">
+                <a:solidFill>
+                  <a:srgbClr val="FFFFFF"/>
+                </a:solidFill>
+                <a:ea typeface="+mn-lt"/>
+                <a:cs typeface="+mn-lt"/>
+              </a:rPr>
+              <a:t>is taking place </a:t>
+            </a:r>
+            <a:r>
+              <a:rPr lang="en-US" sz="1600" dirty="0">
+                <a:solidFill>
+                  <a:srgbClr val="FFFFFF"/>
+                </a:solidFill>
+                <a:ea typeface="+mn-lt"/>
+                <a:cs typeface="+mn-lt"/>
+              </a:rPr>
+              <a:t>in an underground dungeon under a </a:t>
+            </a:r>
+            <a:r>
+              <a:rPr lang="en-US" sz="1600" dirty="0" smtClean="0">
+                <a:solidFill>
+                  <a:srgbClr val="FFFFFF"/>
+                </a:solidFill>
+                <a:ea typeface="+mn-lt"/>
+                <a:cs typeface="+mn-lt"/>
+              </a:rPr>
+              <a:t>castle </a:t>
+            </a:r>
+            <a:r>
+              <a:rPr lang="en-US" sz="1600" dirty="0">
+                <a:solidFill>
+                  <a:srgbClr val="FFFFFF"/>
+                </a:solidFill>
+                <a:ea typeface="+mn-lt"/>
+                <a:cs typeface="+mn-lt"/>
+              </a:rPr>
+              <a:t>in Scotland, where the crypt </a:t>
+            </a:r>
+            <a:r>
+              <a:rPr lang="en-US" sz="1600" dirty="0" smtClean="0">
+                <a:solidFill>
+                  <a:srgbClr val="FFFFFF"/>
+                </a:solidFill>
+                <a:ea typeface="+mn-lt"/>
+                <a:cs typeface="+mn-lt"/>
+              </a:rPr>
+              <a:t>has brick </a:t>
+            </a:r>
+            <a:r>
+              <a:rPr lang="en-US" sz="1600" dirty="0">
+                <a:solidFill>
+                  <a:srgbClr val="FFFFFF"/>
+                </a:solidFill>
+                <a:ea typeface="+mn-lt"/>
+                <a:cs typeface="+mn-lt"/>
+              </a:rPr>
+              <a:t>walls </a:t>
+            </a:r>
+            <a:r>
+              <a:rPr lang="en-US" sz="1600" dirty="0" smtClean="0">
+                <a:solidFill>
+                  <a:srgbClr val="FFFFFF"/>
+                </a:solidFill>
+                <a:ea typeface="+mn-lt"/>
+                <a:cs typeface="+mn-lt"/>
+              </a:rPr>
+              <a:t>and </a:t>
+            </a:r>
+            <a:r>
+              <a:rPr lang="en-US" sz="1600" dirty="0">
+                <a:solidFill>
+                  <a:srgbClr val="FFFFFF"/>
+                </a:solidFill>
+                <a:ea typeface="+mn-lt"/>
+                <a:cs typeface="+mn-lt"/>
+              </a:rPr>
+              <a:t>the platforms </a:t>
+            </a:r>
+            <a:r>
+              <a:rPr lang="en-US" sz="1600" dirty="0" smtClean="0">
+                <a:solidFill>
+                  <a:srgbClr val="FFFFFF"/>
+                </a:solidFill>
+                <a:ea typeface="+mn-lt"/>
+                <a:cs typeface="+mn-lt"/>
+              </a:rPr>
+              <a:t>are</a:t>
+            </a:r>
+            <a:r>
+              <a:rPr lang="en-US" sz="1600" dirty="0" smtClean="0">
+                <a:solidFill>
+                  <a:srgbClr val="FFFFFF"/>
+                </a:solidFill>
+                <a:ea typeface="+mn-lt"/>
+                <a:cs typeface="+mn-lt"/>
+              </a:rPr>
+              <a:t> made </a:t>
+            </a:r>
+            <a:r>
+              <a:rPr lang="en-US" sz="1600" dirty="0">
+                <a:solidFill>
+                  <a:srgbClr val="FFFFFF"/>
+                </a:solidFill>
+                <a:ea typeface="+mn-lt"/>
+                <a:cs typeface="+mn-lt"/>
+              </a:rPr>
+              <a:t>of </a:t>
+            </a:r>
+            <a:r>
+              <a:rPr lang="en-US" sz="1600" dirty="0" smtClean="0">
+                <a:solidFill>
+                  <a:srgbClr val="FFFFFF"/>
+                </a:solidFill>
+                <a:ea typeface="+mn-lt"/>
+                <a:cs typeface="+mn-lt"/>
+              </a:rPr>
+              <a:t>concrete</a:t>
+            </a:r>
+            <a:r>
+              <a:rPr lang="en-US" sz="1600" dirty="0">
+                <a:solidFill>
+                  <a:srgbClr val="FFFFFF"/>
+                </a:solidFill>
+                <a:ea typeface="+mn-lt"/>
+                <a:cs typeface="+mn-lt"/>
+              </a:rPr>
+              <a:t>.</a:t>
+            </a:r>
+            <a:r>
+              <a:rPr lang="en-CA" sz="1600" dirty="0">
                 <a:solidFill>
                   <a:srgbClr val="FFFFFF"/>
                 </a:solidFill>
@@ -7497,7 +7646,7 @@
               <a:t> </a:t>
             </a:r>
             <a:r>
-              <a:rPr lang="en-US" sz="1400">
+              <a:rPr lang="en-US" sz="1600" dirty="0">
                 <a:solidFill>
                   <a:srgbClr val="FFFFFF"/>
                 </a:solidFill>
@@ -7506,7 +7655,7 @@
               </a:rPr>
               <a:t> </a:t>
             </a:r>
-            <a:endParaRPr lang="en-US" sz="1400">
+            <a:endParaRPr lang="en-US" sz="1600" dirty="0">
               <a:solidFill>
                 <a:srgbClr val="FFFFFF"/>
               </a:solidFill>
@@ -7518,61 +7667,66 @@
               <a:buNone/>
             </a:pPr>
             <a:r>
-              <a:rPr lang="en-US" sz="1400">
+              <a:rPr lang="en-US" sz="1600" dirty="0">
                 <a:solidFill>
                   <a:srgbClr val="FFFFFF"/>
                 </a:solidFill>
                 <a:ea typeface="+mn-lt"/>
                 <a:cs typeface="+mn-lt"/>
               </a:rPr>
-              <a:t>This game lets you jump, find clues and keys that enrich the story all while being pressured by the clock.</a:t>
-            </a:r>
-            <a:r>
-              <a:rPr lang="en-CA" sz="1400">
+              <a:t>This game lets you jump, </a:t>
+            </a:r>
+            <a:r>
+              <a:rPr lang="en-US" sz="1600" dirty="0" smtClean="0">
                 <a:solidFill>
                   <a:srgbClr val="FFFFFF"/>
                 </a:solidFill>
                 <a:ea typeface="+mn-lt"/>
                 <a:cs typeface="+mn-lt"/>
               </a:rPr>
-              <a:t> </a:t>
-            </a:r>
-            <a:r>
-              <a:rPr lang="en-US" sz="1400">
+              <a:t>pick up </a:t>
+            </a:r>
+            <a:r>
+              <a:rPr lang="en-US" sz="1600" dirty="0" smtClean="0">
                 <a:solidFill>
                   <a:srgbClr val="FFFFFF"/>
                 </a:solidFill>
                 <a:ea typeface="+mn-lt"/>
                 <a:cs typeface="+mn-lt"/>
               </a:rPr>
-              <a:t> </a:t>
-            </a:r>
-            <a:endParaRPr lang="en-US" sz="1400">
-              <a:solidFill>
-                <a:srgbClr val="FFFFFF"/>
-              </a:solidFill>
-              <a:cs typeface="Calibri"/>
-            </a:endParaRPr>
-          </a:p>
-          <a:p>
-            <a:pPr marL="0" indent="0">
-              <a:buNone/>
-            </a:pPr>
-            <a:r>
-              <a:rPr lang="en-US" sz="1400">
+              <a:t>keys, and open doors while avoiding moving enemies. There </a:t>
+            </a:r>
+            <a:r>
+              <a:rPr lang="en-US" sz="1600" dirty="0" smtClean="0">
                 <a:solidFill>
                   <a:srgbClr val="FFFFFF"/>
                 </a:solidFill>
                 <a:ea typeface="+mn-lt"/>
                 <a:cs typeface="+mn-lt"/>
               </a:rPr>
-              <a:t>Many young gamers find interest in platforming games; Blitz Breakout offers the latter which targets players that come within the range of 13 to 30 years of age who represent roughly 32% of gamers. </a:t>
-            </a:r>
-            <a:endParaRPr lang="en-US" sz="1400">
+              <a:t>are moving platforms, horizontally and vertically, increasing the difficulty over time.</a:t>
+            </a:r>
+          </a:p>
+          <a:p>
+            <a:pPr marL="0" indent="0">
+              <a:buNone/>
+            </a:pPr>
+            <a:r>
+              <a:rPr lang="en-CA" sz="1600" dirty="0" smtClean="0">
+                <a:solidFill>
+                  <a:srgbClr val="FFFFFF"/>
+                </a:solidFill>
+                <a:ea typeface="+mn-lt"/>
+                <a:cs typeface="+mn-lt"/>
+              </a:rPr>
+              <a:t>The player has three lives to begin with, and there are no way to gain them back. The game ends either by losing all your lives or by directly falling into a pit.</a:t>
+            </a:r>
+            <a:endParaRPr lang="en-US" sz="1600" dirty="0" smtClean="0">
               <a:solidFill>
                 <a:srgbClr val="FFFFFF"/>
               </a:solidFill>
-              <a:cs typeface="Calibri" panose="020F0502020204030204"/>
+              <a:ea typeface="+mn-lt"/>
+              <a:cs typeface="+mn-lt"/>
             </a:endParaRPr>
           </a:p>
           <a:p>
@@ -7580,20 +7734,20 @@
               <a:buNone/>
             </a:pPr>
             <a:r>
-              <a:rPr lang="en-US" sz="1100"/>
+              <a:rPr lang="en-US" sz="1100" dirty="0"/>
               <a:t/>
             </a:r>
             <a:br>
-              <a:rPr lang="en-US" sz="1100"/>
+              <a:rPr lang="en-US" sz="1100" dirty="0"/>
             </a:br>
             <a:r>
-              <a:rPr lang="en-US" sz="1100"/>
+              <a:rPr lang="en-US" sz="1100" dirty="0"/>
               <a:t/>
             </a:r>
             <a:br>
-              <a:rPr lang="en-US" sz="1100"/>
+              <a:rPr lang="en-US" sz="1100" dirty="0"/>
             </a:br>
-            <a:endParaRPr lang="en-US" sz="1100">
+            <a:endParaRPr lang="en-US" sz="1100" dirty="0">
               <a:solidFill>
                 <a:srgbClr val="FFFFFF"/>
               </a:solidFill>
@@ -7601,7 +7755,7 @@
             </a:endParaRPr>
           </a:p>
           <a:p>
-            <a:endParaRPr lang="en-US" sz="1100">
+            <a:endParaRPr lang="en-US" sz="1100" dirty="0">
               <a:solidFill>
                 <a:srgbClr val="FFFFFF"/>
               </a:solidFill>
@@ -7620,6 +7774,13 @@
   <p:clrMapOvr>
     <a:masterClrMapping/>
   </p:clrMapOvr>
+  <p:timing>
+    <p:tnLst>
+      <p:par>
+        <p:cTn id="1" dur="indefinite" restart="never" nodeType="tmRoot"/>
+      </p:par>
+    </p:tnLst>
+  </p:timing>
 </p:sld>
 </file>
 
@@ -8052,6 +8213,13 @@
   <p:clrMapOvr>
     <a:masterClrMapping/>
   </p:clrMapOvr>
+  <p:timing>
+    <p:tnLst>
+      <p:par>
+        <p:cTn id="1" dur="indefinite" restart="never" nodeType="tmRoot"/>
+      </p:par>
+    </p:tnLst>
+  </p:timing>
 </p:sld>
 </file>
 
@@ -8126,7 +8294,7 @@
                 <a16:creationId xmlns:a16="http://schemas.microsoft.com/office/drawing/2014/main" id="{1A1687A6-FCCD-49CB-99E4-129D90A6AABE}"/>
               </a:ext>
               <a:ext uri="{C183D7F6-B498-43B3-948B-1728B52AA6E4}">
-                <adec:decorative xmlns:adec="http://schemas.microsoft.com/office/drawing/2017/decorative" xmlns="" val="1"/>
+                <adec:decorative xmlns="" xmlns:adec="http://schemas.microsoft.com/office/drawing/2017/decorative" val="1"/>
               </a:ext>
             </a:extLst>
           </p:cNvPr>
@@ -8203,7 +8371,7 @@
               <a:buChar char="Ø"/>
             </a:pPr>
             <a:r>
-              <a:rPr lang="en-US" sz="2000">
+              <a:rPr lang="en-US" sz="2000" dirty="0">
                 <a:cs typeface="Calibri" panose="020F0502020204030204"/>
               </a:rPr>
               <a:t>Implement core mechanics (jumping, picking up items, moving)</a:t>
@@ -8215,10 +8383,16 @@
               <a:buChar char="Ø"/>
             </a:pPr>
             <a:r>
-              <a:rPr lang="en-US" sz="2000">
+              <a:rPr lang="en-US" sz="2000" dirty="0" smtClean="0">
                 <a:cs typeface="Calibri" panose="020F0502020204030204"/>
               </a:rPr>
-              <a:t>Music (soundtrack, sound effects)</a:t>
+              <a:t>Enemies </a:t>
+            </a:r>
+            <a:r>
+              <a:rPr lang="en-US" sz="2000" dirty="0">
+                <a:cs typeface="Calibri" panose="020F0502020204030204"/>
+              </a:rPr>
+              <a:t>(spiders, rats, pits)</a:t>
             </a:r>
           </a:p>
           <a:p>
@@ -8227,10 +8401,10 @@
               <a:buChar char="Ø"/>
             </a:pPr>
             <a:r>
-              <a:rPr lang="en-US" sz="2000">
+              <a:rPr lang="en-US" sz="2000" dirty="0">
                 <a:cs typeface="Calibri" panose="020F0502020204030204"/>
               </a:rPr>
-              <a:t>Enemies (spiders, rats, pits)</a:t>
+              <a:t>Moving platforms (horizontal and vertical)</a:t>
             </a:r>
           </a:p>
           <a:p>
@@ -8239,10 +8413,10 @@
               <a:buChar char="Ø"/>
             </a:pPr>
             <a:r>
-              <a:rPr lang="en-US" sz="2000">
+              <a:rPr lang="en-US" sz="2000" dirty="0">
                 <a:cs typeface="Calibri" panose="020F0502020204030204"/>
               </a:rPr>
-              <a:t>Moving platforms (horizontal and vertical)</a:t>
+              <a:t>Backgrounds (images, prop images)</a:t>
             </a:r>
           </a:p>
           <a:p>
@@ -8251,10 +8425,10 @@
               <a:buChar char="Ø"/>
             </a:pPr>
             <a:r>
-              <a:rPr lang="en-US" sz="2000">
+              <a:rPr lang="en-US" sz="2000" dirty="0">
                 <a:cs typeface="Calibri" panose="020F0502020204030204"/>
               </a:rPr>
-              <a:t>Backgrounds (images, prop images)</a:t>
+              <a:t>Transitions (doors and keys mechanic)</a:t>
             </a:r>
           </a:p>
           <a:p>
@@ -8263,11 +8437,20 @@
               <a:buChar char="Ø"/>
             </a:pPr>
             <a:r>
-              <a:rPr lang="en-US" sz="2000">
+              <a:rPr lang="en-US" sz="2000" dirty="0">
                 <a:cs typeface="Calibri" panose="020F0502020204030204"/>
               </a:rPr>
-              <a:t>Transitions (doors and keys mechanic)</a:t>
-            </a:r>
+              <a:t>Hearts (three lives</a:t>
+            </a:r>
+            <a:r>
+              <a:rPr lang="en-US" sz="2000" dirty="0">
+                <a:cs typeface="Calibri" panose="020F0502020204030204"/>
+              </a:rPr>
+              <a:t>) </a:t>
+            </a:r>
+            <a:endParaRPr lang="en-US" sz="2000" dirty="0" smtClean="0">
+              <a:cs typeface="Calibri" panose="020F0502020204030204"/>
+            </a:endParaRPr>
           </a:p>
           <a:p>
             <a:pPr marL="457200" indent="-457200">
@@ -8275,11 +8458,26 @@
               <a:buChar char="Ø"/>
             </a:pPr>
             <a:r>
-              <a:rPr lang="en-US" sz="2000">
+              <a:rPr lang="en-US" sz="2000" dirty="0" smtClean="0">
                 <a:cs typeface="Calibri" panose="020F0502020204030204"/>
               </a:rPr>
-              <a:t>Hearts (three lives)</a:t>
-            </a:r>
+              <a:t>Music </a:t>
+            </a:r>
+            <a:r>
+              <a:rPr lang="en-US" sz="2000" dirty="0">
+                <a:cs typeface="Calibri" panose="020F0502020204030204"/>
+              </a:rPr>
+              <a:t>(soundtrack, sound effects</a:t>
+            </a:r>
+            <a:r>
+              <a:rPr lang="en-US" sz="2000" dirty="0" smtClean="0">
+                <a:cs typeface="Calibri" panose="020F0502020204030204"/>
+              </a:rPr>
+              <a:t>)</a:t>
+            </a:r>
+            <a:endParaRPr lang="en-US" sz="2000" dirty="0">
+              <a:cs typeface="Calibri" panose="020F0502020204030204"/>
+            </a:endParaRPr>
           </a:p>
           <a:p>
             <a:pPr marL="457200" indent="-457200">
@@ -8287,11 +8485,14 @@
               <a:buChar char="Ø"/>
             </a:pPr>
             <a:r>
-              <a:rPr lang="en-US" sz="2000">
+              <a:rPr lang="en-US" sz="2000" dirty="0" smtClean="0">
                 <a:cs typeface="Calibri" panose="020F0502020204030204"/>
               </a:rPr>
-              <a:t>Timer (limited time)</a:t>
-            </a:r>
+              <a:t>Game Character (Flynn)</a:t>
+            </a:r>
+            <a:endParaRPr lang="en-US" sz="2000" dirty="0">
+              <a:cs typeface="Calibri" panose="020F0502020204030204"/>
+            </a:endParaRPr>
           </a:p>
         </p:txBody>
       </p:sp>
@@ -8303,7 +8504,7 @@
                 <a16:creationId xmlns:a16="http://schemas.microsoft.com/office/drawing/2014/main" id="{5FD1953D-C7CA-46CA-93DC-1DBF145A0414}"/>
               </a:ext>
               <a:ext uri="{C183D7F6-B498-43B3-948B-1728B52AA6E4}">
-                <adec:decorative xmlns:adec="http://schemas.microsoft.com/office/drawing/2017/decorative" xmlns="" val="1"/>
+                <adec:decorative xmlns="" xmlns:adec="http://schemas.microsoft.com/office/drawing/2017/decorative" val="1"/>
               </a:ext>
             </a:extLst>
           </p:cNvPr>
@@ -8366,7 +8567,7 @@
                 <a16:creationId xmlns:a16="http://schemas.microsoft.com/office/drawing/2014/main" id="{364A263C-0EE8-4268-A7EB-106E317322BB}"/>
               </a:ext>
               <a:ext uri="{C183D7F6-B498-43B3-948B-1728B52AA6E4}">
-                <adec:decorative xmlns:adec="http://schemas.microsoft.com/office/drawing/2017/decorative" xmlns="" val="1"/>
+                <adec:decorative xmlns="" xmlns:adec="http://schemas.microsoft.com/office/drawing/2017/decorative" val="1"/>
               </a:ext>
             </a:extLst>
           </p:cNvPr>
@@ -8458,7 +8659,7 @@
                 <a16:creationId xmlns:a16="http://schemas.microsoft.com/office/drawing/2014/main" id="{32E10D38-0BE1-487A-9249-977AFA4BE0E7}"/>
               </a:ext>
               <a:ext uri="{C183D7F6-B498-43B3-948B-1728B52AA6E4}">
-                <adec:decorative xmlns:adec="http://schemas.microsoft.com/office/drawing/2017/decorative" xmlns="" val="1"/>
+                <adec:decorative xmlns="" xmlns:adec="http://schemas.microsoft.com/office/drawing/2017/decorative" val="1"/>
               </a:ext>
             </a:extLst>
           </p:cNvPr>
@@ -8523,7 +8724,7 @@
                 <a16:creationId xmlns:a16="http://schemas.microsoft.com/office/drawing/2014/main" id="{5901E780-018A-4FDE-88D0-70A8CA27FA26}"/>
               </a:ext>
               <a:ext uri="{C183D7F6-B498-43B3-948B-1728B52AA6E4}">
-                <adec:decorative xmlns:adec="http://schemas.microsoft.com/office/drawing/2017/decorative" xmlns="" val="1"/>
+                <adec:decorative xmlns="" xmlns:adec="http://schemas.microsoft.com/office/drawing/2017/decorative" val="1"/>
               </a:ext>
             </a:extLst>
           </p:cNvPr>
@@ -8588,7 +8789,7 @@
                 <a16:creationId xmlns:a16="http://schemas.microsoft.com/office/drawing/2014/main" id="{D7CC673C-4A24-4FEB-B0A6-4836B4BAEF79}"/>
               </a:ext>
               <a:ext uri="{C183D7F6-B498-43B3-948B-1728B52AA6E4}">
-                <adec:decorative xmlns:adec="http://schemas.microsoft.com/office/drawing/2017/decorative" xmlns="" val="1"/>
+                <adec:decorative xmlns="" xmlns:adec="http://schemas.microsoft.com/office/drawing/2017/decorative" val="1"/>
               </a:ext>
             </a:extLst>
           </p:cNvPr>
@@ -8682,6 +8883,13 @@
   <p:clrMapOvr>
     <a:masterClrMapping/>
   </p:clrMapOvr>
+  <p:timing>
+    <p:tnLst>
+      <p:par>
+        <p:cTn id="1" dur="indefinite" restart="never" nodeType="tmRoot"/>
+      </p:par>
+    </p:tnLst>
+  </p:timing>
 </p:sld>
 </file>
 
@@ -8718,7 +8926,7 @@
                 <a16:creationId xmlns:a16="http://schemas.microsoft.com/office/drawing/2014/main" id="{32BC26D8-82FB-445E-AA49-62A77D7C1EE0}"/>
               </a:ext>
               <a:ext uri="{C183D7F6-B498-43B3-948B-1728B52AA6E4}">
-                <adec:decorative xmlns:adec="http://schemas.microsoft.com/office/drawing/2017/decorative" xmlns="" val="1"/>
+                <adec:decorative xmlns="" xmlns:adec="http://schemas.microsoft.com/office/drawing/2017/decorative" val="1"/>
               </a:ext>
             </a:extLst>
           </p:cNvPr>
@@ -8784,7 +8992,7 @@
                 <a16:creationId xmlns:a16="http://schemas.microsoft.com/office/drawing/2014/main" id="{CB44330D-EA18-4254-AA95-EB49948539B8}"/>
               </a:ext>
               <a:ext uri="{C183D7F6-B498-43B3-948B-1728B52AA6E4}">
-                <adec:decorative xmlns:adec="http://schemas.microsoft.com/office/drawing/2017/decorative" xmlns="" val="1"/>
+                <adec:decorative xmlns="" xmlns:adec="http://schemas.microsoft.com/office/drawing/2017/decorative" val="1"/>
               </a:ext>
             </a:extLst>
           </p:cNvPr>
@@ -8881,6 +9089,13 @@
   <p:clrMapOvr>
     <a:masterClrMapping/>
   </p:clrMapOvr>
+  <p:timing>
+    <p:tnLst>
+      <p:par>
+        <p:cTn id="1" dur="indefinite" restart="never" nodeType="tmRoot"/>
+      </p:par>
+    </p:tnLst>
+  </p:timing>
 </p:sld>
 </file>
 
@@ -8917,7 +9132,7 @@
                 <a16:creationId xmlns:a16="http://schemas.microsoft.com/office/drawing/2014/main" id="{46C2E80F-49A6-4372-B103-219D417A55ED}"/>
               </a:ext>
               <a:ext uri="{C183D7F6-B498-43B3-948B-1728B52AA6E4}">
-                <adec:decorative xmlns:adec="http://schemas.microsoft.com/office/drawing/2017/decorative" xmlns="" val="1"/>
+                <adec:decorative xmlns="" xmlns:adec="http://schemas.microsoft.com/office/drawing/2017/decorative" val="1"/>
               </a:ext>
             </a:extLst>
           </p:cNvPr>
@@ -9476,6 +9691,13 @@
   <p:clrMapOvr>
     <a:masterClrMapping/>
   </p:clrMapOvr>
+  <p:timing>
+    <p:tnLst>
+      <p:par>
+        <p:cTn id="1" dur="indefinite" restart="never" nodeType="tmRoot"/>
+      </p:par>
+    </p:tnLst>
+  </p:timing>
 </p:sld>
 </file>
 

--- a/Documents/Presentation Game.pptx
+++ b/Documents/Presentation Game.pptx
@@ -1210,7 +1210,7 @@
                 <a14:useLocalDpi xmlns:a14="http://schemas.microsoft.com/office/drawing/2010/main" val="0"/>
               </a:ext>
               <a:ext uri="{96DAC541-7B7A-43D3-8B79-37D633B846F1}">
-                <asvg:svgBlip xmlns="" xmlns:asvg="http://schemas.microsoft.com/office/drawing/2016/SVG/main" r:embed="rId2"/>
+                <asvg:svgBlip xmlns:asvg="http://schemas.microsoft.com/office/drawing/2016/SVG/main" xmlns="" r:embed="rId2"/>
               </a:ext>
             </a:extLst>
           </a:blip>
@@ -1277,7 +1277,7 @@
                 <a14:useLocalDpi xmlns:a14="http://schemas.microsoft.com/office/drawing/2010/main" val="0"/>
               </a:ext>
               <a:ext uri="{96DAC541-7B7A-43D3-8B79-37D633B846F1}">
-                <asvg:svgBlip xmlns="" xmlns:asvg="http://schemas.microsoft.com/office/drawing/2016/SVG/main" r:embed="rId4"/>
+                <asvg:svgBlip xmlns:asvg="http://schemas.microsoft.com/office/drawing/2016/SVG/main" xmlns="" r:embed="rId4"/>
               </a:ext>
             </a:extLst>
           </a:blip>
@@ -1344,7 +1344,7 @@
                 <a14:useLocalDpi xmlns:a14="http://schemas.microsoft.com/office/drawing/2010/main" val="0"/>
               </a:ext>
               <a:ext uri="{96DAC541-7B7A-43D3-8B79-37D633B846F1}">
-                <asvg:svgBlip xmlns="" xmlns:asvg="http://schemas.microsoft.com/office/drawing/2016/SVG/main" r:embed="rId6"/>
+                <asvg:svgBlip xmlns:asvg="http://schemas.microsoft.com/office/drawing/2016/SVG/main" xmlns="" r:embed="rId6"/>
               </a:ext>
             </a:extLst>
           </a:blip>
@@ -1411,7 +1411,7 @@
                 <a14:useLocalDpi xmlns:a14="http://schemas.microsoft.com/office/drawing/2010/main" val="0"/>
               </a:ext>
               <a:ext uri="{96DAC541-7B7A-43D3-8B79-37D633B846F1}">
-                <asvg:svgBlip xmlns="" xmlns:asvg="http://schemas.microsoft.com/office/drawing/2016/SVG/main" r:embed="rId8"/>
+                <asvg:svgBlip xmlns:asvg="http://schemas.microsoft.com/office/drawing/2016/SVG/main" xmlns="" r:embed="rId8"/>
               </a:ext>
             </a:extLst>
           </a:blip>
@@ -1478,7 +1478,7 @@
                 <a14:useLocalDpi xmlns:a14="http://schemas.microsoft.com/office/drawing/2010/main" val="0"/>
               </a:ext>
               <a:ext uri="{96DAC541-7B7A-43D3-8B79-37D633B846F1}">
-                <asvg:svgBlip xmlns="" xmlns:asvg="http://schemas.microsoft.com/office/drawing/2016/SVG/main" r:embed="rId10"/>
+                <asvg:svgBlip xmlns:asvg="http://schemas.microsoft.com/office/drawing/2016/SVG/main" xmlns="" r:embed="rId10"/>
               </a:ext>
             </a:extLst>
           </a:blip>
@@ -1545,7 +1545,7 @@
                 <a14:useLocalDpi xmlns:a14="http://schemas.microsoft.com/office/drawing/2010/main" val="0"/>
               </a:ext>
               <a:ext uri="{96DAC541-7B7A-43D3-8B79-37D633B846F1}">
-                <asvg:svgBlip xmlns="" xmlns:asvg="http://schemas.microsoft.com/office/drawing/2016/SVG/main" r:embed="rId12"/>
+                <asvg:svgBlip xmlns:asvg="http://schemas.microsoft.com/office/drawing/2016/SVG/main" xmlns="" r:embed="rId12"/>
               </a:ext>
             </a:extLst>
           </a:blip>
@@ -1612,7 +1612,7 @@
                 <a14:useLocalDpi xmlns:a14="http://schemas.microsoft.com/office/drawing/2010/main" val="0"/>
               </a:ext>
               <a:ext uri="{96DAC541-7B7A-43D3-8B79-37D633B846F1}">
-                <asvg:svgBlip xmlns="" xmlns:asvg="http://schemas.microsoft.com/office/drawing/2016/SVG/main" r:embed="rId14"/>
+                <asvg:svgBlip xmlns:asvg="http://schemas.microsoft.com/office/drawing/2016/SVG/main" xmlns="" r:embed="rId14"/>
               </a:ext>
             </a:extLst>
           </a:blip>
@@ -1796,7 +1796,7 @@
                 <a14:useLocalDpi xmlns:a14="http://schemas.microsoft.com/office/drawing/2010/main" val="0"/>
               </a:ext>
               <a:ext uri="{96DAC541-7B7A-43D3-8B79-37D633B846F1}">
-                <asvg:svgBlip xmlns="" xmlns:asvg="http://schemas.microsoft.com/office/drawing/2016/SVG/main" r:embed="rId2"/>
+                <asvg:svgBlip xmlns:asvg="http://schemas.microsoft.com/office/drawing/2016/SVG/main" xmlns="" r:embed="rId2"/>
               </a:ext>
             </a:extLst>
           </a:blip>
@@ -1947,7 +1947,7 @@
                 <a14:useLocalDpi xmlns:a14="http://schemas.microsoft.com/office/drawing/2010/main" val="0"/>
               </a:ext>
               <a:ext uri="{96DAC541-7B7A-43D3-8B79-37D633B846F1}">
-                <asvg:svgBlip xmlns="" xmlns:asvg="http://schemas.microsoft.com/office/drawing/2016/SVG/main" r:embed="rId4"/>
+                <asvg:svgBlip xmlns:asvg="http://schemas.microsoft.com/office/drawing/2016/SVG/main" xmlns="" r:embed="rId4"/>
               </a:ext>
             </a:extLst>
           </a:blip>
@@ -2098,7 +2098,7 @@
                 <a14:useLocalDpi xmlns:a14="http://schemas.microsoft.com/office/drawing/2010/main" val="0"/>
               </a:ext>
               <a:ext uri="{96DAC541-7B7A-43D3-8B79-37D633B846F1}">
-                <asvg:svgBlip xmlns="" xmlns:asvg="http://schemas.microsoft.com/office/drawing/2016/SVG/main" r:embed="rId6"/>
+                <asvg:svgBlip xmlns:asvg="http://schemas.microsoft.com/office/drawing/2016/SVG/main" xmlns="" r:embed="rId6"/>
               </a:ext>
             </a:extLst>
           </a:blip>
@@ -2249,7 +2249,7 @@
                 <a14:useLocalDpi xmlns:a14="http://schemas.microsoft.com/office/drawing/2010/main" val="0"/>
               </a:ext>
               <a:ext uri="{96DAC541-7B7A-43D3-8B79-37D633B846F1}">
-                <asvg:svgBlip xmlns="" xmlns:asvg="http://schemas.microsoft.com/office/drawing/2016/SVG/main" r:embed="rId8"/>
+                <asvg:svgBlip xmlns:asvg="http://schemas.microsoft.com/office/drawing/2016/SVG/main" xmlns="" r:embed="rId8"/>
               </a:ext>
             </a:extLst>
           </a:blip>
@@ -2400,7 +2400,7 @@
                 <a14:useLocalDpi xmlns:a14="http://schemas.microsoft.com/office/drawing/2010/main" val="0"/>
               </a:ext>
               <a:ext uri="{96DAC541-7B7A-43D3-8B79-37D633B846F1}">
-                <asvg:svgBlip xmlns="" xmlns:asvg="http://schemas.microsoft.com/office/drawing/2016/SVG/main" r:embed="rId10"/>
+                <asvg:svgBlip xmlns:asvg="http://schemas.microsoft.com/office/drawing/2016/SVG/main" xmlns="" r:embed="rId10"/>
               </a:ext>
             </a:extLst>
           </a:blip>
@@ -2551,7 +2551,7 @@
                 <a14:useLocalDpi xmlns:a14="http://schemas.microsoft.com/office/drawing/2010/main" val="0"/>
               </a:ext>
               <a:ext uri="{96DAC541-7B7A-43D3-8B79-37D633B846F1}">
-                <asvg:svgBlip xmlns="" xmlns:asvg="http://schemas.microsoft.com/office/drawing/2016/SVG/main" r:embed="rId12"/>
+                <asvg:svgBlip xmlns:asvg="http://schemas.microsoft.com/office/drawing/2016/SVG/main" xmlns="" r:embed="rId12"/>
               </a:ext>
             </a:extLst>
           </a:blip>
@@ -2702,7 +2702,7 @@
                 <a14:useLocalDpi xmlns:a14="http://schemas.microsoft.com/office/drawing/2010/main" val="0"/>
               </a:ext>
               <a:ext uri="{96DAC541-7B7A-43D3-8B79-37D633B846F1}">
-                <asvg:svgBlip xmlns="" xmlns:asvg="http://schemas.microsoft.com/office/drawing/2016/SVG/main" r:embed="rId14"/>
+                <asvg:svgBlip xmlns:asvg="http://schemas.microsoft.com/office/drawing/2016/SVG/main" xmlns="" r:embed="rId14"/>
               </a:ext>
             </a:extLst>
           </a:blip>
@@ -3072,7 +3072,7 @@
   </dgm:layoutNode>
   <dgm:extLst>
     <a:ext uri="{68A01E43-0DF5-4B5B-8FA6-DAF915123BFB}">
-      <dgm1612:lstStyle xmlns="" xmlns:dgm1612="http://schemas.microsoft.com/office/drawing/2016/12/diagram">
+      <dgm1612:lstStyle xmlns:dgm1612="http://schemas.microsoft.com/office/drawing/2016/12/diagram" xmlns="">
         <a:lvl1pPr>
           <a:lnSpc>
             <a:spcPct val="100000"/>
@@ -6978,7 +6978,7 @@
                 <a16:creationId xmlns:a16="http://schemas.microsoft.com/office/drawing/2014/main" id="{71B2258F-86CA-4D4D-8270-BC05FCDEBFB3}"/>
               </a:ext>
               <a:ext uri="{C183D7F6-B498-43B3-948B-1728B52AA6E4}">
-                <adec:decorative xmlns="" xmlns:adec="http://schemas.microsoft.com/office/drawing/2017/decorative" val="1"/>
+                <adec:decorative xmlns:adec="http://schemas.microsoft.com/office/drawing/2017/decorative" xmlns="" val="1"/>
               </a:ext>
             </a:extLst>
           </p:cNvPr>
@@ -7201,13 +7201,13 @@
   <p:clrMapOvr>
     <a:overrideClrMapping bg1="dk1" tx1="lt1" bg2="dk2" tx2="lt2" accent1="accent1" accent2="accent2" accent3="accent3" accent4="accent4" accent5="accent5" accent6="accent6" hlink="hlink" folHlink="folHlink"/>
   </p:clrMapOvr>
-  <mc:AlternateContent xmlns:mc="http://schemas.openxmlformats.org/markup-compatibility/2006">
-    <mc:Choice xmlns:p14="http://schemas.microsoft.com/office/powerpoint/2010/main" Requires="p14">
+  <mc:AlternateContent xmlns:mc="http://schemas.openxmlformats.org/markup-compatibility/2006" xmlns:p14="http://schemas.microsoft.com/office/powerpoint/2010/main">
+    <mc:Choice Requires="p14">
       <p:transition spd="slow" p14:dur="900">
         <p14:warp dir="in"/>
       </p:transition>
     </mc:Choice>
-    <mc:Fallback>
+    <mc:Fallback xmlns="">
       <p:transition spd="slow">
         <p:fade/>
       </p:transition>
@@ -7256,7 +7256,7 @@
                 <a16:creationId xmlns:a16="http://schemas.microsoft.com/office/drawing/2014/main" id="{99899462-FC16-43B0-966B-FCA263450716}"/>
               </a:ext>
               <a:ext uri="{C183D7F6-B498-43B3-948B-1728B52AA6E4}">
-                <adec:decorative xmlns="" xmlns:adec="http://schemas.microsoft.com/office/drawing/2017/decorative" val="1"/>
+                <adec:decorative xmlns:adec="http://schemas.microsoft.com/office/drawing/2017/decorative" xmlns="" val="1"/>
               </a:ext>
             </a:extLst>
           </p:cNvPr>
@@ -7391,7 +7391,7 @@
                 <a16:creationId xmlns:a16="http://schemas.microsoft.com/office/drawing/2014/main" id="{AAFEA932-2DF1-410C-A00A-7A1E7DBF7511}"/>
               </a:ext>
               <a:ext uri="{C183D7F6-B498-43B3-948B-1728B52AA6E4}">
-                <adec:decorative xmlns="" xmlns:adec="http://schemas.microsoft.com/office/drawing/2017/decorative" val="1"/>
+                <adec:decorative xmlns:adec="http://schemas.microsoft.com/office/drawing/2017/decorative" xmlns="" val="1"/>
               </a:ext>
             </a:extLst>
           </p:cNvPr>
@@ -7593,17 +7593,7 @@
                 <a:ea typeface="+mn-lt"/>
                 <a:cs typeface="+mn-lt"/>
               </a:rPr>
-              <a:t>are</a:t>
-            </a:r>
-            <a:r>
-              <a:rPr lang="en-US" sz="1600" dirty="0" smtClean="0">
-                <a:solidFill>
-                  <a:srgbClr val="FFFFFF"/>
-                </a:solidFill>
-                <a:ea typeface="+mn-lt"/>
-                <a:cs typeface="+mn-lt"/>
-              </a:rPr>
-              <a:t> made </a:t>
+              <a:t>are made </a:t>
             </a:r>
             <a:r>
               <a:rPr lang="en-US" sz="1600" dirty="0">
@@ -7684,27 +7674,7 @@
                 <a:ea typeface="+mn-lt"/>
                 <a:cs typeface="+mn-lt"/>
               </a:rPr>
-              <a:t>pick up </a:t>
-            </a:r>
-            <a:r>
-              <a:rPr lang="en-US" sz="1600" dirty="0" smtClean="0">
-                <a:solidFill>
-                  <a:srgbClr val="FFFFFF"/>
-                </a:solidFill>
-                <a:ea typeface="+mn-lt"/>
-                <a:cs typeface="+mn-lt"/>
-              </a:rPr>
-              <a:t>keys, and open doors while avoiding moving enemies. There </a:t>
-            </a:r>
-            <a:r>
-              <a:rPr lang="en-US" sz="1600" dirty="0" smtClean="0">
-                <a:solidFill>
-                  <a:srgbClr val="FFFFFF"/>
-                </a:solidFill>
-                <a:ea typeface="+mn-lt"/>
-                <a:cs typeface="+mn-lt"/>
-              </a:rPr>
-              <a:t>are moving platforms, horizontally and vertically, increasing the difficulty over time.</a:t>
+              <a:t>pick up keys, and open doors while avoiding moving enemies. There are moving platforms, horizontally and vertically, increasing the difficulty over time.</a:t>
             </a:r>
           </a:p>
           <a:p>
@@ -8294,7 +8264,7 @@
                 <a16:creationId xmlns:a16="http://schemas.microsoft.com/office/drawing/2014/main" id="{1A1687A6-FCCD-49CB-99E4-129D90A6AABE}"/>
               </a:ext>
               <a:ext uri="{C183D7F6-B498-43B3-948B-1728B52AA6E4}">
-                <adec:decorative xmlns="" xmlns:adec="http://schemas.microsoft.com/office/drawing/2017/decorative" val="1"/>
+                <adec:decorative xmlns:adec="http://schemas.microsoft.com/office/drawing/2017/decorative" xmlns="" val="1"/>
               </a:ext>
             </a:extLst>
           </p:cNvPr>
@@ -8371,10 +8341,16 @@
               <a:buChar char="Ø"/>
             </a:pPr>
             <a:r>
+              <a:rPr lang="en-US" sz="2000" dirty="0" smtClean="0">
+                <a:cs typeface="Calibri" panose="020F0502020204030204"/>
+              </a:rPr>
+              <a:t>Enemies </a:t>
+            </a:r>
+            <a:r>
               <a:rPr lang="en-US" sz="2000" dirty="0">
                 <a:cs typeface="Calibri" panose="020F0502020204030204"/>
               </a:rPr>
-              <a:t>Implement core mechanics (jumping, picking up items, moving)</a:t>
+              <a:t>(spiders, rats, pits)</a:t>
             </a:r>
           </a:p>
           <a:p>
@@ -8383,16 +8359,10 @@
               <a:buChar char="Ø"/>
             </a:pPr>
             <a:r>
-              <a:rPr lang="en-US" sz="2000" dirty="0" smtClean="0">
-                <a:cs typeface="Calibri" panose="020F0502020204030204"/>
-              </a:rPr>
-              <a:t>Enemies </a:t>
-            </a:r>
-            <a:r>
               <a:rPr lang="en-US" sz="2000" dirty="0">
                 <a:cs typeface="Calibri" panose="020F0502020204030204"/>
               </a:rPr>
-              <a:t>(spiders, rats, pits)</a:t>
+              <a:t>Moving platforms (horizontal and vertical)</a:t>
             </a:r>
           </a:p>
           <a:p>
@@ -8404,8 +8374,17 @@
               <a:rPr lang="en-US" sz="2000" dirty="0">
                 <a:cs typeface="Calibri" panose="020F0502020204030204"/>
               </a:rPr>
-              <a:t>Moving platforms (horizontal and vertical)</a:t>
-            </a:r>
+              <a:t>Backgrounds (images, prop images</a:t>
+            </a:r>
+            <a:r>
+              <a:rPr lang="en-US" sz="2000" dirty="0">
+                <a:cs typeface="Calibri" panose="020F0502020204030204"/>
+              </a:rPr>
+              <a:t>) </a:t>
+            </a:r>
+            <a:endParaRPr lang="en-US" sz="2000" dirty="0" smtClean="0">
+              <a:cs typeface="Calibri" panose="020F0502020204030204"/>
+            </a:endParaRPr>
           </a:p>
           <a:p>
             <a:pPr marL="457200" indent="-457200">
@@ -8413,10 +8392,22 @@
               <a:buChar char="Ø"/>
             </a:pPr>
             <a:r>
+              <a:rPr lang="en-US" sz="2000" dirty="0" smtClean="0">
+                <a:cs typeface="Calibri" panose="020F0502020204030204"/>
+              </a:rPr>
+              <a:t>Music </a:t>
+            </a:r>
+            <a:r>
               <a:rPr lang="en-US" sz="2000" dirty="0">
                 <a:cs typeface="Calibri" panose="020F0502020204030204"/>
               </a:rPr>
-              <a:t>Backgrounds (images, prop images)</a:t>
+              <a:t>(soundtrack, sound effects</a:t>
+            </a:r>
+            <a:r>
+              <a:rPr lang="en-US" sz="2000" dirty="0" smtClean="0">
+                <a:cs typeface="Calibri" panose="020F0502020204030204"/>
+              </a:rPr>
+              <a:t>)</a:t>
             </a:r>
           </a:p>
           <a:p>
@@ -8425,10 +8416,16 @@
               <a:buChar char="Ø"/>
             </a:pPr>
             <a:r>
+              <a:rPr lang="en-US" sz="2000" dirty="0" smtClean="0">
+                <a:cs typeface="Calibri" panose="020F0502020204030204"/>
+              </a:rPr>
+              <a:t>Transitions </a:t>
+            </a:r>
+            <a:r>
               <a:rPr lang="en-US" sz="2000" dirty="0">
                 <a:cs typeface="Calibri" panose="020F0502020204030204"/>
               </a:rPr>
-              <a:t>Transitions (doors and keys mechanic)</a:t>
+              <a:t>(doors and keys mechanic)</a:t>
             </a:r>
           </a:p>
           <a:p>
@@ -8443,14 +8440,11 @@
               <a:t>Hearts (three lives</a:t>
             </a:r>
             <a:r>
-              <a:rPr lang="en-US" sz="2000" dirty="0">
+              <a:rPr lang="en-US" sz="2000" dirty="0" smtClean="0">
                 <a:cs typeface="Calibri" panose="020F0502020204030204"/>
               </a:rPr>
-              <a:t>) </a:t>
-            </a:r>
-            <a:endParaRPr lang="en-US" sz="2000" dirty="0" smtClean="0">
-              <a:cs typeface="Calibri" panose="020F0502020204030204"/>
-            </a:endParaRPr>
+              <a:t>)</a:t>
+            </a:r>
           </a:p>
           <a:p>
             <a:pPr marL="457200" indent="-457200">
@@ -8461,13 +8455,13 @@
               <a:rPr lang="en-US" sz="2000" dirty="0" smtClean="0">
                 <a:cs typeface="Calibri" panose="020F0502020204030204"/>
               </a:rPr>
-              <a:t>Music </a:t>
+              <a:t> </a:t>
             </a:r>
             <a:r>
               <a:rPr lang="en-US" sz="2000" dirty="0">
                 <a:cs typeface="Calibri" panose="020F0502020204030204"/>
               </a:rPr>
-              <a:t>(soundtrack, sound effects</a:t>
+              <a:t>Implement core mechanics (jumping, picking up items, moving</a:t>
             </a:r>
             <a:r>
               <a:rPr lang="en-US" sz="2000" dirty="0" smtClean="0">
@@ -8475,7 +8469,7 @@
               </a:rPr>
               <a:t>)</a:t>
             </a:r>
-            <a:endParaRPr lang="en-US" sz="2000" dirty="0">
+            <a:endParaRPr lang="en-US" sz="2000" dirty="0" smtClean="0">
               <a:cs typeface="Calibri" panose="020F0502020204030204"/>
             </a:endParaRPr>
           </a:p>
@@ -8488,8 +8482,26 @@
               <a:rPr lang="en-US" sz="2000" dirty="0" smtClean="0">
                 <a:cs typeface="Calibri" panose="020F0502020204030204"/>
               </a:rPr>
-              <a:t>Game Character (Flynn)</a:t>
-            </a:r>
+              <a:t>Game </a:t>
+            </a:r>
+            <a:r>
+              <a:rPr lang="en-US" sz="2000" dirty="0" smtClean="0">
+                <a:cs typeface="Calibri" panose="020F0502020204030204"/>
+              </a:rPr>
+              <a:t>Character (Flynn</a:t>
+            </a:r>
+            <a:r>
+              <a:rPr lang="en-US" sz="2000" dirty="0" smtClean="0">
+                <a:cs typeface="Calibri" panose="020F0502020204030204"/>
+              </a:rPr>
+              <a:t>)</a:t>
+            </a:r>
+          </a:p>
+          <a:p>
+            <a:pPr marL="457200" indent="-457200">
+              <a:buFont typeface="Wingdings" panose="020B0604020202020204" pitchFamily="34" charset="0"/>
+              <a:buChar char="Ø"/>
+            </a:pPr>
             <a:endParaRPr lang="en-US" sz="2000" dirty="0">
               <a:cs typeface="Calibri" panose="020F0502020204030204"/>
             </a:endParaRPr>
@@ -8504,7 +8516,7 @@
                 <a16:creationId xmlns:a16="http://schemas.microsoft.com/office/drawing/2014/main" id="{5FD1953D-C7CA-46CA-93DC-1DBF145A0414}"/>
               </a:ext>
               <a:ext uri="{C183D7F6-B498-43B3-948B-1728B52AA6E4}">
-                <adec:decorative xmlns="" xmlns:adec="http://schemas.microsoft.com/office/drawing/2017/decorative" val="1"/>
+                <adec:decorative xmlns:adec="http://schemas.microsoft.com/office/drawing/2017/decorative" xmlns="" val="1"/>
               </a:ext>
             </a:extLst>
           </p:cNvPr>
@@ -8567,7 +8579,7 @@
                 <a16:creationId xmlns:a16="http://schemas.microsoft.com/office/drawing/2014/main" id="{364A263C-0EE8-4268-A7EB-106E317322BB}"/>
               </a:ext>
               <a:ext uri="{C183D7F6-B498-43B3-948B-1728B52AA6E4}">
-                <adec:decorative xmlns="" xmlns:adec="http://schemas.microsoft.com/office/drawing/2017/decorative" val="1"/>
+                <adec:decorative xmlns:adec="http://schemas.microsoft.com/office/drawing/2017/decorative" xmlns="" val="1"/>
               </a:ext>
             </a:extLst>
           </p:cNvPr>
@@ -8659,7 +8671,7 @@
                 <a16:creationId xmlns:a16="http://schemas.microsoft.com/office/drawing/2014/main" id="{32E10D38-0BE1-487A-9249-977AFA4BE0E7}"/>
               </a:ext>
               <a:ext uri="{C183D7F6-B498-43B3-948B-1728B52AA6E4}">
-                <adec:decorative xmlns="" xmlns:adec="http://schemas.microsoft.com/office/drawing/2017/decorative" val="1"/>
+                <adec:decorative xmlns:adec="http://schemas.microsoft.com/office/drawing/2017/decorative" xmlns="" val="1"/>
               </a:ext>
             </a:extLst>
           </p:cNvPr>
@@ -8724,7 +8736,7 @@
                 <a16:creationId xmlns:a16="http://schemas.microsoft.com/office/drawing/2014/main" id="{5901E780-018A-4FDE-88D0-70A8CA27FA26}"/>
               </a:ext>
               <a:ext uri="{C183D7F6-B498-43B3-948B-1728B52AA6E4}">
-                <adec:decorative xmlns="" xmlns:adec="http://schemas.microsoft.com/office/drawing/2017/decorative" val="1"/>
+                <adec:decorative xmlns:adec="http://schemas.microsoft.com/office/drawing/2017/decorative" xmlns="" val="1"/>
               </a:ext>
             </a:extLst>
           </p:cNvPr>
@@ -8789,7 +8801,7 @@
                 <a16:creationId xmlns:a16="http://schemas.microsoft.com/office/drawing/2014/main" id="{D7CC673C-4A24-4FEB-B0A6-4836B4BAEF79}"/>
               </a:ext>
               <a:ext uri="{C183D7F6-B498-43B3-948B-1728B52AA6E4}">
-                <adec:decorative xmlns="" xmlns:adec="http://schemas.microsoft.com/office/drawing/2017/decorative" val="1"/>
+                <adec:decorative xmlns:adec="http://schemas.microsoft.com/office/drawing/2017/decorative" xmlns="" val="1"/>
               </a:ext>
             </a:extLst>
           </p:cNvPr>
@@ -8926,7 +8938,7 @@
                 <a16:creationId xmlns:a16="http://schemas.microsoft.com/office/drawing/2014/main" id="{32BC26D8-82FB-445E-AA49-62A77D7C1EE0}"/>
               </a:ext>
               <a:ext uri="{C183D7F6-B498-43B3-948B-1728B52AA6E4}">
-                <adec:decorative xmlns="" xmlns:adec="http://schemas.microsoft.com/office/drawing/2017/decorative" val="1"/>
+                <adec:decorative xmlns:adec="http://schemas.microsoft.com/office/drawing/2017/decorative" xmlns="" val="1"/>
               </a:ext>
             </a:extLst>
           </p:cNvPr>
@@ -8992,7 +9004,7 @@
                 <a16:creationId xmlns:a16="http://schemas.microsoft.com/office/drawing/2014/main" id="{CB44330D-EA18-4254-AA95-EB49948539B8}"/>
               </a:ext>
               <a:ext uri="{C183D7F6-B498-43B3-948B-1728B52AA6E4}">
-                <adec:decorative xmlns="" xmlns:adec="http://schemas.microsoft.com/office/drawing/2017/decorative" val="1"/>
+                <adec:decorative xmlns:adec="http://schemas.microsoft.com/office/drawing/2017/decorative" xmlns="" val="1"/>
               </a:ext>
             </a:extLst>
           </p:cNvPr>
@@ -9132,7 +9144,7 @@
                 <a16:creationId xmlns:a16="http://schemas.microsoft.com/office/drawing/2014/main" id="{46C2E80F-49A6-4372-B103-219D417A55ED}"/>
               </a:ext>
               <a:ext uri="{C183D7F6-B498-43B3-948B-1728B52AA6E4}">
-                <adec:decorative xmlns="" xmlns:adec="http://schemas.microsoft.com/office/drawing/2017/decorative" val="1"/>
+                <adec:decorative xmlns:adec="http://schemas.microsoft.com/office/drawing/2017/decorative" xmlns="" val="1"/>
               </a:ext>
             </a:extLst>
           </p:cNvPr>
